--- a/supplemental/presentation.pptx
+++ b/supplemental/presentation.pptx
@@ -17,9 +17,9 @@
     <p:sldId id="262" r:id="rId8"/>
     <p:sldId id="263" r:id="rId9"/>
     <p:sldId id="264" r:id="rId10"/>
-    <p:sldId id="265" r:id="rId11"/>
-    <p:sldId id="266" r:id="rId12"/>
-    <p:sldId id="267" r:id="rId13"/>
+    <p:sldId id="267" r:id="rId11"/>
+    <p:sldId id="265" r:id="rId12"/>
+    <p:sldId id="266" r:id="rId13"/>
     <p:sldId id="268" r:id="rId14"/>
     <p:sldId id="269" r:id="rId15"/>
   </p:sldIdLst>
@@ -123,6 +123,9 @@
   <p:extLst>
     <p:ext uri="{EFAFB233-063F-42B5-8137-9DF3F51BA10A}">
       <p15:sldGuideLst xmlns:p15="http://schemas.microsoft.com/office/powerpoint/2012/main"/>
+    </p:ext>
+    <p:ext uri="{2D200454-40CA-4A62-9FC3-DE9A4176ACB9}">
+      <p15:notesGuideLst xmlns:p15="http://schemas.microsoft.com/office/powerpoint/2012/main"/>
     </p:ext>
   </p:extLst>
 </p:presentation>
@@ -19242,7 +19245,7 @@
           <a:p>
             <a:fld id="{04CA74AE-CCED-4B56-B309-83F91088D56B}" type="datetimeFigureOut">
               <a:rPr lang="en-US" smtClean="0"/>
-              <a:t>11/10/2020</a:t>
+              <a:t>11/11/2020</a:t>
             </a:fld>
             <a:endParaRPr lang="en-US"/>
           </a:p>
@@ -19661,7 +19664,7 @@
           <a:p>
             <a:fld id="{B3EC0A66-97F9-4C55-B8E0-42C9E97776AF}" type="datetimeFigureOut">
               <a:rPr lang="en-US" smtClean="0"/>
-              <a:t>11/10/2020</a:t>
+              <a:t>11/11/2020</a:t>
             </a:fld>
             <a:endParaRPr lang="en-US"/>
           </a:p>
@@ -19859,7 +19862,7 @@
           <a:p>
             <a:fld id="{B3EC0A66-97F9-4C55-B8E0-42C9E97776AF}" type="datetimeFigureOut">
               <a:rPr lang="en-US" smtClean="0"/>
-              <a:t>11/10/2020</a:t>
+              <a:t>11/11/2020</a:t>
             </a:fld>
             <a:endParaRPr lang="en-US"/>
           </a:p>
@@ -20067,7 +20070,7 @@
           <a:p>
             <a:fld id="{B3EC0A66-97F9-4C55-B8E0-42C9E97776AF}" type="datetimeFigureOut">
               <a:rPr lang="en-US" smtClean="0"/>
-              <a:t>11/10/2020</a:t>
+              <a:t>11/11/2020</a:t>
             </a:fld>
             <a:endParaRPr lang="en-US"/>
           </a:p>
@@ -20265,7 +20268,7 @@
           <a:p>
             <a:fld id="{B3EC0A66-97F9-4C55-B8E0-42C9E97776AF}" type="datetimeFigureOut">
               <a:rPr lang="en-US" smtClean="0"/>
-              <a:t>11/10/2020</a:t>
+              <a:t>11/11/2020</a:t>
             </a:fld>
             <a:endParaRPr lang="en-US"/>
           </a:p>
@@ -20540,7 +20543,7 @@
           <a:p>
             <a:fld id="{B3EC0A66-97F9-4C55-B8E0-42C9E97776AF}" type="datetimeFigureOut">
               <a:rPr lang="en-US" smtClean="0"/>
-              <a:t>11/10/2020</a:t>
+              <a:t>11/11/2020</a:t>
             </a:fld>
             <a:endParaRPr lang="en-US"/>
           </a:p>
@@ -20805,7 +20808,7 @@
           <a:p>
             <a:fld id="{B3EC0A66-97F9-4C55-B8E0-42C9E97776AF}" type="datetimeFigureOut">
               <a:rPr lang="en-US" smtClean="0"/>
-              <a:t>11/10/2020</a:t>
+              <a:t>11/11/2020</a:t>
             </a:fld>
             <a:endParaRPr lang="en-US"/>
           </a:p>
@@ -21217,7 +21220,7 @@
           <a:p>
             <a:fld id="{B3EC0A66-97F9-4C55-B8E0-42C9E97776AF}" type="datetimeFigureOut">
               <a:rPr lang="en-US" smtClean="0"/>
-              <a:t>11/10/2020</a:t>
+              <a:t>11/11/2020</a:t>
             </a:fld>
             <a:endParaRPr lang="en-US"/>
           </a:p>
@@ -21358,7 +21361,7 @@
           <a:p>
             <a:fld id="{B3EC0A66-97F9-4C55-B8E0-42C9E97776AF}" type="datetimeFigureOut">
               <a:rPr lang="en-US" smtClean="0"/>
-              <a:t>11/10/2020</a:t>
+              <a:t>11/11/2020</a:t>
             </a:fld>
             <a:endParaRPr lang="en-US"/>
           </a:p>
@@ -21471,7 +21474,7 @@
           <a:p>
             <a:fld id="{B3EC0A66-97F9-4C55-B8E0-42C9E97776AF}" type="datetimeFigureOut">
               <a:rPr lang="en-US" smtClean="0"/>
-              <a:t>11/10/2020</a:t>
+              <a:t>11/11/2020</a:t>
             </a:fld>
             <a:endParaRPr lang="en-US"/>
           </a:p>
@@ -21782,7 +21785,7 @@
           <a:p>
             <a:fld id="{B3EC0A66-97F9-4C55-B8E0-42C9E97776AF}" type="datetimeFigureOut">
               <a:rPr lang="en-US" smtClean="0"/>
-              <a:t>11/10/2020</a:t>
+              <a:t>11/11/2020</a:t>
             </a:fld>
             <a:endParaRPr lang="en-US"/>
           </a:p>
@@ -22070,7 +22073,7 @@
           <a:p>
             <a:fld id="{B3EC0A66-97F9-4C55-B8E0-42C9E97776AF}" type="datetimeFigureOut">
               <a:rPr lang="en-US" smtClean="0"/>
-              <a:t>11/10/2020</a:t>
+              <a:t>11/11/2020</a:t>
             </a:fld>
             <a:endParaRPr lang="en-US"/>
           </a:p>
@@ -22314,7 +22317,7 @@
           <a:p>
             <a:fld id="{B3EC0A66-97F9-4C55-B8E0-42C9E97776AF}" type="datetimeFigureOut">
               <a:rPr lang="en-US" smtClean="0"/>
-              <a:t>11/10/2020</a:t>
+              <a:t>11/11/2020</a:t>
             </a:fld>
             <a:endParaRPr lang="en-US"/>
           </a:p>
@@ -23693,6 +23696,399 @@
       </p:grpSpPr>
       <p:sp useBgFill="1">
         <p:nvSpPr>
+          <p:cNvPr id="69" name="Rectangle 68">
+            <a:extLst>
+              <a:ext uri="{FF2B5EF4-FFF2-40B4-BE49-F238E27FC236}">
+                <a16:creationId xmlns:a16="http://schemas.microsoft.com/office/drawing/2014/main" id="{382E0DD2-11DF-4411-A6ED-1182F5176965}"/>
+              </a:ext>
+              <a:ext uri="{C183D7F6-B498-43B3-948B-1728B52AA6E4}">
+                <adec:decorative xmlns:adec="http://schemas.microsoft.com/office/drawing/2017/decorative" val="1"/>
+              </a:ext>
+            </a:extLst>
+          </p:cNvPr>
+          <p:cNvSpPr>
+            <a:spLocks noGrp="1" noRot="1" noChangeAspect="1" noMove="1" noResize="1" noEditPoints="1" noAdjustHandles="1" noChangeArrowheads="1" noChangeShapeType="1" noTextEdit="1"/>
+          </p:cNvSpPr>
+          <p:nvPr>
+            <p:extLst>
+              <p:ext uri="{386F3935-93C4-4BCD-93E2-E3B085C9AB24}">
+                <p16:designElem xmlns:p16="http://schemas.microsoft.com/office/powerpoint/2015/main" val="1"/>
+              </p:ext>
+            </p:extLst>
+          </p:nvPr>
+        </p:nvSpPr>
+        <p:spPr>
+          <a:xfrm>
+            <a:off x="-1" y="0"/>
+            <a:ext cx="12188952" cy="6858000"/>
+          </a:xfrm>
+          <a:prstGeom prst="rect">
+            <a:avLst/>
+          </a:prstGeom>
+          <a:ln>
+            <a:noFill/>
+          </a:ln>
+        </p:spPr>
+        <p:style>
+          <a:lnRef idx="2">
+            <a:schemeClr val="accent1">
+              <a:shade val="50000"/>
+            </a:schemeClr>
+          </a:lnRef>
+          <a:fillRef idx="1">
+            <a:schemeClr val="accent1"/>
+          </a:fillRef>
+          <a:effectRef idx="0">
+            <a:schemeClr val="accent1"/>
+          </a:effectRef>
+          <a:fontRef idx="minor">
+            <a:schemeClr val="lt1"/>
+          </a:fontRef>
+        </p:style>
+        <p:txBody>
+          <a:bodyPr rtlCol="0" anchor="ctr"/>
+          <a:lstStyle/>
+          <a:p>
+            <a:pPr algn="ctr"/>
+            <a:endParaRPr lang="en-US" dirty="0"/>
+          </a:p>
+        </p:txBody>
+      </p:sp>
+      <p:sp>
+        <p:nvSpPr>
+          <p:cNvPr id="2" name="Title 1">
+            <a:extLst>
+              <a:ext uri="{FF2B5EF4-FFF2-40B4-BE49-F238E27FC236}">
+                <a16:creationId xmlns:a16="http://schemas.microsoft.com/office/drawing/2014/main" id="{F01EF89D-5AB4-4FE5-A212-4E671D348A0C}"/>
+              </a:ext>
+            </a:extLst>
+          </p:cNvPr>
+          <p:cNvSpPr>
+            <a:spLocks noGrp="1"/>
+          </p:cNvSpPr>
+          <p:nvPr>
+            <p:ph type="title"/>
+          </p:nvPr>
+        </p:nvSpPr>
+        <p:spPr>
+          <a:xfrm>
+            <a:off x="8017254" y="557188"/>
+            <a:ext cx="3800564" cy="1671569"/>
+          </a:xfrm>
+        </p:spPr>
+        <p:txBody>
+          <a:bodyPr>
+            <a:normAutofit/>
+          </a:bodyPr>
+          <a:lstStyle/>
+          <a:p>
+            <a:r>
+              <a:rPr lang="en-US" sz="4000" dirty="0"/>
+              <a:t>Product Demo</a:t>
+            </a:r>
+          </a:p>
+        </p:txBody>
+      </p:sp>
+      <p:pic>
+        <p:nvPicPr>
+          <p:cNvPr id="5" name="Content Placeholder 4" descr="Graphical user interface, text, application&#10;&#10;Description automatically generated">
+            <a:extLst>
+              <a:ext uri="{FF2B5EF4-FFF2-40B4-BE49-F238E27FC236}">
+                <a16:creationId xmlns:a16="http://schemas.microsoft.com/office/drawing/2014/main" id="{13E51350-7A1B-4F0F-92BB-39BC8B292AA3}"/>
+              </a:ext>
+            </a:extLst>
+          </p:cNvPr>
+          <p:cNvPicPr>
+            <a:picLocks noChangeAspect="1"/>
+          </p:cNvPicPr>
+          <p:nvPr/>
+        </p:nvPicPr>
+        <p:blipFill rotWithShape="1">
+          <a:blip r:embed="rId2">
+            <a:extLst>
+              <a:ext uri="{28A0092B-C50C-407E-A947-70E740481C1C}">
+                <a14:useLocalDpi xmlns:a14="http://schemas.microsoft.com/office/drawing/2010/main" val="0"/>
+              </a:ext>
+            </a:extLst>
+          </a:blip>
+          <a:srcRect l="2547" r="42014" b="-2"/>
+          <a:stretch/>
+        </p:blipFill>
+        <p:spPr>
+          <a:xfrm>
+            <a:off x="8969" y="-2"/>
+            <a:ext cx="2376092" cy="2228759"/>
+          </a:xfrm>
+          <a:prstGeom prst="rect">
+            <a:avLst/>
+          </a:prstGeom>
+        </p:spPr>
+      </p:pic>
+      <p:pic>
+        <p:nvPicPr>
+          <p:cNvPr id="11" name="Picture 10">
+            <a:extLst>
+              <a:ext uri="{FF2B5EF4-FFF2-40B4-BE49-F238E27FC236}">
+                <a16:creationId xmlns:a16="http://schemas.microsoft.com/office/drawing/2014/main" id="{7D1EC9FE-DED4-47B9-B0C5-C2EE28089504}"/>
+              </a:ext>
+            </a:extLst>
+          </p:cNvPr>
+          <p:cNvPicPr>
+            <a:picLocks noChangeAspect="1"/>
+          </p:cNvPicPr>
+          <p:nvPr/>
+        </p:nvPicPr>
+        <p:blipFill rotWithShape="1">
+          <a:blip r:embed="rId3">
+            <a:extLst>
+              <a:ext uri="{28A0092B-C50C-407E-A947-70E740481C1C}">
+                <a14:useLocalDpi xmlns:a14="http://schemas.microsoft.com/office/drawing/2010/main" val="0"/>
+              </a:ext>
+            </a:extLst>
+          </a:blip>
+          <a:srcRect l="10682" r="33880" b="-2"/>
+          <a:stretch/>
+        </p:blipFill>
+        <p:spPr>
+          <a:xfrm>
+            <a:off x="2579411" y="-2446"/>
+            <a:ext cx="2376092" cy="2228759"/>
+          </a:xfrm>
+          <a:prstGeom prst="rect">
+            <a:avLst/>
+          </a:prstGeom>
+        </p:spPr>
+      </p:pic>
+      <p:pic>
+        <p:nvPicPr>
+          <p:cNvPr id="7" name="Picture 6" descr="Graphical user interface, text, application, email&#10;&#10;Description automatically generated">
+            <a:extLst>
+              <a:ext uri="{FF2B5EF4-FFF2-40B4-BE49-F238E27FC236}">
+                <a16:creationId xmlns:a16="http://schemas.microsoft.com/office/drawing/2014/main" id="{FFA86A99-880C-4ACB-B1E1-12D5AFB8632A}"/>
+              </a:ext>
+            </a:extLst>
+          </p:cNvPr>
+          <p:cNvPicPr>
+            <a:picLocks noChangeAspect="1"/>
+          </p:cNvPicPr>
+          <p:nvPr/>
+        </p:nvPicPr>
+        <p:blipFill rotWithShape="1">
+          <a:blip r:embed="rId4">
+            <a:extLst>
+              <a:ext uri="{28A0092B-C50C-407E-A947-70E740481C1C}">
+                <a14:useLocalDpi xmlns:a14="http://schemas.microsoft.com/office/drawing/2010/main" val="0"/>
+              </a:ext>
+            </a:extLst>
+          </a:blip>
+          <a:srcRect l="17286" r="43800" b="-3"/>
+          <a:stretch/>
+        </p:blipFill>
+        <p:spPr>
+          <a:xfrm>
+            <a:off x="5149852" y="-10223"/>
+            <a:ext cx="2376092" cy="2228759"/>
+          </a:xfrm>
+          <a:prstGeom prst="rect">
+            <a:avLst/>
+          </a:prstGeom>
+        </p:spPr>
+      </p:pic>
+      <p:pic>
+        <p:nvPicPr>
+          <p:cNvPr id="9" name="Picture 8">
+            <a:extLst>
+              <a:ext uri="{FF2B5EF4-FFF2-40B4-BE49-F238E27FC236}">
+                <a16:creationId xmlns:a16="http://schemas.microsoft.com/office/drawing/2014/main" id="{051C313E-FE37-4B3A-B836-67AE8BC02DF1}"/>
+              </a:ext>
+            </a:extLst>
+          </p:cNvPr>
+          <p:cNvPicPr>
+            <a:picLocks noChangeAspect="1"/>
+          </p:cNvPicPr>
+          <p:nvPr/>
+        </p:nvPicPr>
+        <p:blipFill rotWithShape="1">
+          <a:blip r:embed="rId5">
+            <a:extLst>
+              <a:ext uri="{28A0092B-C50C-407E-A947-70E740481C1C}">
+                <a14:useLocalDpi xmlns:a14="http://schemas.microsoft.com/office/drawing/2010/main" val="0"/>
+              </a:ext>
+            </a:extLst>
+          </a:blip>
+          <a:srcRect l="5304" r="27118" b="3"/>
+          <a:stretch/>
+        </p:blipFill>
+        <p:spPr>
+          <a:xfrm>
+            <a:off x="3714" y="2400151"/>
+            <a:ext cx="3330225" cy="2057368"/>
+          </a:xfrm>
+          <a:prstGeom prst="rect">
+            <a:avLst/>
+          </a:prstGeom>
+        </p:spPr>
+      </p:pic>
+      <p:pic>
+        <p:nvPicPr>
+          <p:cNvPr id="15" name="Picture 14" descr="Graphical user interface, application, email&#10;&#10;Description automatically generated">
+            <a:extLst>
+              <a:ext uri="{FF2B5EF4-FFF2-40B4-BE49-F238E27FC236}">
+                <a16:creationId xmlns:a16="http://schemas.microsoft.com/office/drawing/2014/main" id="{9DF0D930-0039-458A-8CE5-742235F38BE7}"/>
+              </a:ext>
+            </a:extLst>
+          </p:cNvPr>
+          <p:cNvPicPr>
+            <a:picLocks noChangeAspect="1"/>
+          </p:cNvPicPr>
+          <p:nvPr/>
+        </p:nvPicPr>
+        <p:blipFill rotWithShape="1">
+          <a:blip r:embed="rId6">
+            <a:extLst>
+              <a:ext uri="{28A0092B-C50C-407E-A947-70E740481C1C}">
+                <a14:useLocalDpi xmlns:a14="http://schemas.microsoft.com/office/drawing/2010/main" val="0"/>
+              </a:ext>
+            </a:extLst>
+          </a:blip>
+          <a:srcRect l="6641" r="15806" b="2"/>
+          <a:stretch/>
+        </p:blipFill>
+        <p:spPr>
+          <a:xfrm>
+            <a:off x="-1" y="4628909"/>
+            <a:ext cx="3324552" cy="2229090"/>
+          </a:xfrm>
+          <a:prstGeom prst="rect">
+            <a:avLst/>
+          </a:prstGeom>
+        </p:spPr>
+      </p:pic>
+      <p:pic>
+        <p:nvPicPr>
+          <p:cNvPr id="13" name="Picture 12" descr="Graphical user interface, application&#10;&#10;Description automatically generated">
+            <a:extLst>
+              <a:ext uri="{FF2B5EF4-FFF2-40B4-BE49-F238E27FC236}">
+                <a16:creationId xmlns:a16="http://schemas.microsoft.com/office/drawing/2014/main" id="{9279F301-46B3-4983-91D7-A158A301C686}"/>
+              </a:ext>
+            </a:extLst>
+          </p:cNvPr>
+          <p:cNvPicPr>
+            <a:picLocks noChangeAspect="1"/>
+          </p:cNvPicPr>
+          <p:nvPr/>
+        </p:nvPicPr>
+        <p:blipFill rotWithShape="1">
+          <a:blip r:embed="rId7">
+            <a:extLst>
+              <a:ext uri="{28A0092B-C50C-407E-A947-70E740481C1C}">
+                <a14:useLocalDpi xmlns:a14="http://schemas.microsoft.com/office/drawing/2010/main" val="0"/>
+              </a:ext>
+            </a:extLst>
+          </a:blip>
+          <a:srcRect l="16228" r="37153"/>
+          <a:stretch/>
+        </p:blipFill>
+        <p:spPr>
+          <a:xfrm>
+            <a:off x="3534403" y="2400151"/>
+            <a:ext cx="3996536" cy="4457850"/>
+          </a:xfrm>
+          <a:prstGeom prst="rect">
+            <a:avLst/>
+          </a:prstGeom>
+        </p:spPr>
+      </p:pic>
+      <p:sp>
+        <p:nvSpPr>
+          <p:cNvPr id="53" name="Content Placeholder 18">
+            <a:extLst>
+              <a:ext uri="{FF2B5EF4-FFF2-40B4-BE49-F238E27FC236}">
+                <a16:creationId xmlns:a16="http://schemas.microsoft.com/office/drawing/2014/main" id="{70CA99FA-DFAD-4203-99FB-3C43BF0E04ED}"/>
+              </a:ext>
+            </a:extLst>
+          </p:cNvPr>
+          <p:cNvSpPr>
+            <a:spLocks noGrp="1"/>
+          </p:cNvSpPr>
+          <p:nvPr>
+            <p:ph idx="1"/>
+          </p:nvPr>
+        </p:nvSpPr>
+        <p:spPr>
+          <a:xfrm>
+            <a:off x="8017253" y="2400475"/>
+            <a:ext cx="3800565" cy="3776488"/>
+          </a:xfrm>
+        </p:spPr>
+        <p:txBody>
+          <a:bodyPr>
+            <a:normAutofit/>
+          </a:bodyPr>
+          <a:lstStyle/>
+          <a:p>
+            <a:r>
+              <a:rPr lang="en-US" sz="2000" dirty="0" err="1"/>
+              <a:t>Herokuapp</a:t>
+            </a:r>
+            <a:r>
+              <a:rPr lang="en-US" sz="2000" dirty="0"/>
+              <a:t> Deployment!</a:t>
+            </a:r>
+          </a:p>
+          <a:p>
+            <a:r>
+              <a:rPr lang="en-US" sz="1400" b="0" i="0" u="none" strike="noStrike" dirty="0">
+                <a:effectLst/>
+                <a:latin typeface="Slack-Lato"/>
+                <a:hlinkClick r:id="rId8"/>
+              </a:rPr>
+              <a:t>https://cutting-edge-2020.herokuapp.com/</a:t>
+            </a:r>
+            <a:endParaRPr lang="en-US" sz="2000" dirty="0"/>
+          </a:p>
+        </p:txBody>
+      </p:sp>
+    </p:spTree>
+    <p:extLst>
+      <p:ext uri="{BB962C8B-B14F-4D97-AF65-F5344CB8AC3E}">
+        <p14:creationId xmlns:p14="http://schemas.microsoft.com/office/powerpoint/2010/main" val="3307515088"/>
+      </p:ext>
+    </p:extLst>
+  </p:cSld>
+  <p:clrMapOvr>
+    <a:masterClrMapping/>
+  </p:clrMapOvr>
+</p:sld>
+</file>
+
+<file path=ppt/slides/slide11.xml><?xml version="1.0" encoding="utf-8"?>
+<p:sld xmlns:a="http://schemas.openxmlformats.org/drawingml/2006/main" xmlns:r="http://schemas.openxmlformats.org/officeDocument/2006/relationships" xmlns:p="http://schemas.openxmlformats.org/presentationml/2006/main">
+  <p:cSld>
+    <p:bg>
+      <p:bgPr>
+        <a:solidFill>
+          <a:schemeClr val="bg1"/>
+        </a:solidFill>
+        <a:effectLst/>
+      </p:bgPr>
+    </p:bg>
+    <p:spTree>
+      <p:nvGrpSpPr>
+        <p:cNvPr id="1" name=""/>
+        <p:cNvGrpSpPr/>
+        <p:nvPr/>
+      </p:nvGrpSpPr>
+      <p:grpSpPr>
+        <a:xfrm>
+          <a:off x="0" y="0"/>
+          <a:ext cx="0" cy="0"/>
+          <a:chOff x="0" y="0"/>
+          <a:chExt cx="0" cy="0"/>
+        </a:xfrm>
+      </p:grpSpPr>
+      <p:sp useBgFill="1">
+        <p:nvSpPr>
           <p:cNvPr id="17" name="Rectangle 8">
             <a:extLst>
               <a:ext uri="{FF2B5EF4-FFF2-40B4-BE49-F238E27FC236}">
@@ -24328,7 +24724,7 @@
 </p:sld>
 </file>
 
-<file path=ppt/slides/slide11.xml><?xml version="1.0" encoding="utf-8"?>
+<file path=ppt/slides/slide12.xml><?xml version="1.0" encoding="utf-8"?>
 <p:sld xmlns:a="http://schemas.openxmlformats.org/drawingml/2006/main" xmlns:r="http://schemas.openxmlformats.org/officeDocument/2006/relationships" xmlns:p="http://schemas.openxmlformats.org/presentationml/2006/main">
   <p:cSld>
     <p:bg>
@@ -24835,399 +25231,6 @@
     <p:extLst>
       <p:ext uri="{BB962C8B-B14F-4D97-AF65-F5344CB8AC3E}">
         <p14:creationId xmlns:p14="http://schemas.microsoft.com/office/powerpoint/2010/main" val="753673556"/>
-      </p:ext>
-    </p:extLst>
-  </p:cSld>
-  <p:clrMapOvr>
-    <a:masterClrMapping/>
-  </p:clrMapOvr>
-</p:sld>
-</file>
-
-<file path=ppt/slides/slide12.xml><?xml version="1.0" encoding="utf-8"?>
-<p:sld xmlns:a="http://schemas.openxmlformats.org/drawingml/2006/main" xmlns:r="http://schemas.openxmlformats.org/officeDocument/2006/relationships" xmlns:p="http://schemas.openxmlformats.org/presentationml/2006/main">
-  <p:cSld>
-    <p:bg>
-      <p:bgPr>
-        <a:solidFill>
-          <a:schemeClr val="bg1"/>
-        </a:solidFill>
-        <a:effectLst/>
-      </p:bgPr>
-    </p:bg>
-    <p:spTree>
-      <p:nvGrpSpPr>
-        <p:cNvPr id="1" name=""/>
-        <p:cNvGrpSpPr/>
-        <p:nvPr/>
-      </p:nvGrpSpPr>
-      <p:grpSpPr>
-        <a:xfrm>
-          <a:off x="0" y="0"/>
-          <a:ext cx="0" cy="0"/>
-          <a:chOff x="0" y="0"/>
-          <a:chExt cx="0" cy="0"/>
-        </a:xfrm>
-      </p:grpSpPr>
-      <p:sp useBgFill="1">
-        <p:nvSpPr>
-          <p:cNvPr id="69" name="Rectangle 68">
-            <a:extLst>
-              <a:ext uri="{FF2B5EF4-FFF2-40B4-BE49-F238E27FC236}">
-                <a16:creationId xmlns:a16="http://schemas.microsoft.com/office/drawing/2014/main" id="{382E0DD2-11DF-4411-A6ED-1182F5176965}"/>
-              </a:ext>
-              <a:ext uri="{C183D7F6-B498-43B3-948B-1728B52AA6E4}">
-                <adec:decorative xmlns:adec="http://schemas.microsoft.com/office/drawing/2017/decorative" val="1"/>
-              </a:ext>
-            </a:extLst>
-          </p:cNvPr>
-          <p:cNvSpPr>
-            <a:spLocks noGrp="1" noRot="1" noChangeAspect="1" noMove="1" noResize="1" noEditPoints="1" noAdjustHandles="1" noChangeArrowheads="1" noChangeShapeType="1" noTextEdit="1"/>
-          </p:cNvSpPr>
-          <p:nvPr>
-            <p:extLst>
-              <p:ext uri="{386F3935-93C4-4BCD-93E2-E3B085C9AB24}">
-                <p16:designElem xmlns:p16="http://schemas.microsoft.com/office/powerpoint/2015/main" val="1"/>
-              </p:ext>
-            </p:extLst>
-          </p:nvPr>
-        </p:nvSpPr>
-        <p:spPr>
-          <a:xfrm>
-            <a:off x="-1" y="0"/>
-            <a:ext cx="12188952" cy="6858000"/>
-          </a:xfrm>
-          <a:prstGeom prst="rect">
-            <a:avLst/>
-          </a:prstGeom>
-          <a:ln>
-            <a:noFill/>
-          </a:ln>
-        </p:spPr>
-        <p:style>
-          <a:lnRef idx="2">
-            <a:schemeClr val="accent1">
-              <a:shade val="50000"/>
-            </a:schemeClr>
-          </a:lnRef>
-          <a:fillRef idx="1">
-            <a:schemeClr val="accent1"/>
-          </a:fillRef>
-          <a:effectRef idx="0">
-            <a:schemeClr val="accent1"/>
-          </a:effectRef>
-          <a:fontRef idx="minor">
-            <a:schemeClr val="lt1"/>
-          </a:fontRef>
-        </p:style>
-        <p:txBody>
-          <a:bodyPr rtlCol="0" anchor="ctr"/>
-          <a:lstStyle/>
-          <a:p>
-            <a:pPr algn="ctr"/>
-            <a:endParaRPr lang="en-US" dirty="0"/>
-          </a:p>
-        </p:txBody>
-      </p:sp>
-      <p:sp>
-        <p:nvSpPr>
-          <p:cNvPr id="2" name="Title 1">
-            <a:extLst>
-              <a:ext uri="{FF2B5EF4-FFF2-40B4-BE49-F238E27FC236}">
-                <a16:creationId xmlns:a16="http://schemas.microsoft.com/office/drawing/2014/main" id="{F01EF89D-5AB4-4FE5-A212-4E671D348A0C}"/>
-              </a:ext>
-            </a:extLst>
-          </p:cNvPr>
-          <p:cNvSpPr>
-            <a:spLocks noGrp="1"/>
-          </p:cNvSpPr>
-          <p:nvPr>
-            <p:ph type="title"/>
-          </p:nvPr>
-        </p:nvSpPr>
-        <p:spPr>
-          <a:xfrm>
-            <a:off x="8017254" y="557188"/>
-            <a:ext cx="3800564" cy="1671569"/>
-          </a:xfrm>
-        </p:spPr>
-        <p:txBody>
-          <a:bodyPr>
-            <a:normAutofit/>
-          </a:bodyPr>
-          <a:lstStyle/>
-          <a:p>
-            <a:r>
-              <a:rPr lang="en-US" sz="4000" dirty="0"/>
-              <a:t>Product Demo</a:t>
-            </a:r>
-          </a:p>
-        </p:txBody>
-      </p:sp>
-      <p:pic>
-        <p:nvPicPr>
-          <p:cNvPr id="5" name="Content Placeholder 4" descr="Graphical user interface, text, application&#10;&#10;Description automatically generated">
-            <a:extLst>
-              <a:ext uri="{FF2B5EF4-FFF2-40B4-BE49-F238E27FC236}">
-                <a16:creationId xmlns:a16="http://schemas.microsoft.com/office/drawing/2014/main" id="{13E51350-7A1B-4F0F-92BB-39BC8B292AA3}"/>
-              </a:ext>
-            </a:extLst>
-          </p:cNvPr>
-          <p:cNvPicPr>
-            <a:picLocks noChangeAspect="1"/>
-          </p:cNvPicPr>
-          <p:nvPr/>
-        </p:nvPicPr>
-        <p:blipFill rotWithShape="1">
-          <a:blip r:embed="rId2">
-            <a:extLst>
-              <a:ext uri="{28A0092B-C50C-407E-A947-70E740481C1C}">
-                <a14:useLocalDpi xmlns:a14="http://schemas.microsoft.com/office/drawing/2010/main" val="0"/>
-              </a:ext>
-            </a:extLst>
-          </a:blip>
-          <a:srcRect l="2547" r="42014" b="-2"/>
-          <a:stretch/>
-        </p:blipFill>
-        <p:spPr>
-          <a:xfrm>
-            <a:off x="8969" y="-2"/>
-            <a:ext cx="2376092" cy="2228759"/>
-          </a:xfrm>
-          <a:prstGeom prst="rect">
-            <a:avLst/>
-          </a:prstGeom>
-        </p:spPr>
-      </p:pic>
-      <p:pic>
-        <p:nvPicPr>
-          <p:cNvPr id="11" name="Picture 10">
-            <a:extLst>
-              <a:ext uri="{FF2B5EF4-FFF2-40B4-BE49-F238E27FC236}">
-                <a16:creationId xmlns:a16="http://schemas.microsoft.com/office/drawing/2014/main" id="{7D1EC9FE-DED4-47B9-B0C5-C2EE28089504}"/>
-              </a:ext>
-            </a:extLst>
-          </p:cNvPr>
-          <p:cNvPicPr>
-            <a:picLocks noChangeAspect="1"/>
-          </p:cNvPicPr>
-          <p:nvPr/>
-        </p:nvPicPr>
-        <p:blipFill rotWithShape="1">
-          <a:blip r:embed="rId3">
-            <a:extLst>
-              <a:ext uri="{28A0092B-C50C-407E-A947-70E740481C1C}">
-                <a14:useLocalDpi xmlns:a14="http://schemas.microsoft.com/office/drawing/2010/main" val="0"/>
-              </a:ext>
-            </a:extLst>
-          </a:blip>
-          <a:srcRect l="10682" r="33880" b="-2"/>
-          <a:stretch/>
-        </p:blipFill>
-        <p:spPr>
-          <a:xfrm>
-            <a:off x="2579411" y="-2446"/>
-            <a:ext cx="2376092" cy="2228759"/>
-          </a:xfrm>
-          <a:prstGeom prst="rect">
-            <a:avLst/>
-          </a:prstGeom>
-        </p:spPr>
-      </p:pic>
-      <p:pic>
-        <p:nvPicPr>
-          <p:cNvPr id="7" name="Picture 6" descr="Graphical user interface, text, application, email&#10;&#10;Description automatically generated">
-            <a:extLst>
-              <a:ext uri="{FF2B5EF4-FFF2-40B4-BE49-F238E27FC236}">
-                <a16:creationId xmlns:a16="http://schemas.microsoft.com/office/drawing/2014/main" id="{FFA86A99-880C-4ACB-B1E1-12D5AFB8632A}"/>
-              </a:ext>
-            </a:extLst>
-          </p:cNvPr>
-          <p:cNvPicPr>
-            <a:picLocks noChangeAspect="1"/>
-          </p:cNvPicPr>
-          <p:nvPr/>
-        </p:nvPicPr>
-        <p:blipFill rotWithShape="1">
-          <a:blip r:embed="rId4">
-            <a:extLst>
-              <a:ext uri="{28A0092B-C50C-407E-A947-70E740481C1C}">
-                <a14:useLocalDpi xmlns:a14="http://schemas.microsoft.com/office/drawing/2010/main" val="0"/>
-              </a:ext>
-            </a:extLst>
-          </a:blip>
-          <a:srcRect l="17286" r="43800" b="-3"/>
-          <a:stretch/>
-        </p:blipFill>
-        <p:spPr>
-          <a:xfrm>
-            <a:off x="5149852" y="-10223"/>
-            <a:ext cx="2376092" cy="2228759"/>
-          </a:xfrm>
-          <a:prstGeom prst="rect">
-            <a:avLst/>
-          </a:prstGeom>
-        </p:spPr>
-      </p:pic>
-      <p:pic>
-        <p:nvPicPr>
-          <p:cNvPr id="9" name="Picture 8">
-            <a:extLst>
-              <a:ext uri="{FF2B5EF4-FFF2-40B4-BE49-F238E27FC236}">
-                <a16:creationId xmlns:a16="http://schemas.microsoft.com/office/drawing/2014/main" id="{051C313E-FE37-4B3A-B836-67AE8BC02DF1}"/>
-              </a:ext>
-            </a:extLst>
-          </p:cNvPr>
-          <p:cNvPicPr>
-            <a:picLocks noChangeAspect="1"/>
-          </p:cNvPicPr>
-          <p:nvPr/>
-        </p:nvPicPr>
-        <p:blipFill rotWithShape="1">
-          <a:blip r:embed="rId5">
-            <a:extLst>
-              <a:ext uri="{28A0092B-C50C-407E-A947-70E740481C1C}">
-                <a14:useLocalDpi xmlns:a14="http://schemas.microsoft.com/office/drawing/2010/main" val="0"/>
-              </a:ext>
-            </a:extLst>
-          </a:blip>
-          <a:srcRect l="5304" r="27118" b="3"/>
-          <a:stretch/>
-        </p:blipFill>
-        <p:spPr>
-          <a:xfrm>
-            <a:off x="3714" y="2400151"/>
-            <a:ext cx="3330225" cy="2057368"/>
-          </a:xfrm>
-          <a:prstGeom prst="rect">
-            <a:avLst/>
-          </a:prstGeom>
-        </p:spPr>
-      </p:pic>
-      <p:pic>
-        <p:nvPicPr>
-          <p:cNvPr id="15" name="Picture 14" descr="Graphical user interface, application, email&#10;&#10;Description automatically generated">
-            <a:extLst>
-              <a:ext uri="{FF2B5EF4-FFF2-40B4-BE49-F238E27FC236}">
-                <a16:creationId xmlns:a16="http://schemas.microsoft.com/office/drawing/2014/main" id="{9DF0D930-0039-458A-8CE5-742235F38BE7}"/>
-              </a:ext>
-            </a:extLst>
-          </p:cNvPr>
-          <p:cNvPicPr>
-            <a:picLocks noChangeAspect="1"/>
-          </p:cNvPicPr>
-          <p:nvPr/>
-        </p:nvPicPr>
-        <p:blipFill rotWithShape="1">
-          <a:blip r:embed="rId6">
-            <a:extLst>
-              <a:ext uri="{28A0092B-C50C-407E-A947-70E740481C1C}">
-                <a14:useLocalDpi xmlns:a14="http://schemas.microsoft.com/office/drawing/2010/main" val="0"/>
-              </a:ext>
-            </a:extLst>
-          </a:blip>
-          <a:srcRect l="6641" r="15806" b="2"/>
-          <a:stretch/>
-        </p:blipFill>
-        <p:spPr>
-          <a:xfrm>
-            <a:off x="-1" y="4628909"/>
-            <a:ext cx="3324552" cy="2229090"/>
-          </a:xfrm>
-          <a:prstGeom prst="rect">
-            <a:avLst/>
-          </a:prstGeom>
-        </p:spPr>
-      </p:pic>
-      <p:pic>
-        <p:nvPicPr>
-          <p:cNvPr id="13" name="Picture 12" descr="Graphical user interface, application&#10;&#10;Description automatically generated">
-            <a:extLst>
-              <a:ext uri="{FF2B5EF4-FFF2-40B4-BE49-F238E27FC236}">
-                <a16:creationId xmlns:a16="http://schemas.microsoft.com/office/drawing/2014/main" id="{9279F301-46B3-4983-91D7-A158A301C686}"/>
-              </a:ext>
-            </a:extLst>
-          </p:cNvPr>
-          <p:cNvPicPr>
-            <a:picLocks noChangeAspect="1"/>
-          </p:cNvPicPr>
-          <p:nvPr/>
-        </p:nvPicPr>
-        <p:blipFill rotWithShape="1">
-          <a:blip r:embed="rId7">
-            <a:extLst>
-              <a:ext uri="{28A0092B-C50C-407E-A947-70E740481C1C}">
-                <a14:useLocalDpi xmlns:a14="http://schemas.microsoft.com/office/drawing/2010/main" val="0"/>
-              </a:ext>
-            </a:extLst>
-          </a:blip>
-          <a:srcRect l="16228" r="37153"/>
-          <a:stretch/>
-        </p:blipFill>
-        <p:spPr>
-          <a:xfrm>
-            <a:off x="3534403" y="2400151"/>
-            <a:ext cx="3996536" cy="4457850"/>
-          </a:xfrm>
-          <a:prstGeom prst="rect">
-            <a:avLst/>
-          </a:prstGeom>
-        </p:spPr>
-      </p:pic>
-      <p:sp>
-        <p:nvSpPr>
-          <p:cNvPr id="53" name="Content Placeholder 18">
-            <a:extLst>
-              <a:ext uri="{FF2B5EF4-FFF2-40B4-BE49-F238E27FC236}">
-                <a16:creationId xmlns:a16="http://schemas.microsoft.com/office/drawing/2014/main" id="{70CA99FA-DFAD-4203-99FB-3C43BF0E04ED}"/>
-              </a:ext>
-            </a:extLst>
-          </p:cNvPr>
-          <p:cNvSpPr>
-            <a:spLocks noGrp="1"/>
-          </p:cNvSpPr>
-          <p:nvPr>
-            <p:ph idx="1"/>
-          </p:nvPr>
-        </p:nvSpPr>
-        <p:spPr>
-          <a:xfrm>
-            <a:off x="8017253" y="2400475"/>
-            <a:ext cx="3800565" cy="3776488"/>
-          </a:xfrm>
-        </p:spPr>
-        <p:txBody>
-          <a:bodyPr>
-            <a:normAutofit/>
-          </a:bodyPr>
-          <a:lstStyle/>
-          <a:p>
-            <a:r>
-              <a:rPr lang="en-US" sz="2000" dirty="0" err="1"/>
-              <a:t>Herokuapp</a:t>
-            </a:r>
-            <a:r>
-              <a:rPr lang="en-US" sz="2000" dirty="0"/>
-              <a:t> Deployment!</a:t>
-            </a:r>
-          </a:p>
-          <a:p>
-            <a:r>
-              <a:rPr lang="en-US" sz="1400" b="0" i="0" u="none" strike="noStrike" dirty="0">
-                <a:effectLst/>
-                <a:latin typeface="Slack-Lato"/>
-                <a:hlinkClick r:id="rId8"/>
-              </a:rPr>
-              <a:t>https://cutting-edge-2020.herokuapp.com/</a:t>
-            </a:r>
-            <a:endParaRPr lang="en-US" sz="2000" dirty="0"/>
-          </a:p>
-        </p:txBody>
-      </p:sp>
-    </p:spTree>
-    <p:extLst>
-      <p:ext uri="{BB962C8B-B14F-4D97-AF65-F5344CB8AC3E}">
-        <p14:creationId xmlns:p14="http://schemas.microsoft.com/office/powerpoint/2010/main" val="3307515088"/>
       </p:ext>
     </p:extLst>
   </p:cSld>
